--- a/페이징개념.pptx
+++ b/페이징개념.pptx
@@ -238,7 +238,7 @@
           <a:p>
             <a:fld id="{EA462923-1DAF-4191-ADDB-DCCEB5DDD37D}" type="datetimeFigureOut">
               <a:rPr lang="ko-KR" altLang="en-US" smtClean="0"/>
-              <a:t>2020-11-16</a:t>
+              <a:t>2020-11-17</a:t>
             </a:fld>
             <a:endParaRPr lang="ko-KR" altLang="en-US"/>
           </a:p>
@@ -408,7 +408,7 @@
           <a:p>
             <a:fld id="{EA462923-1DAF-4191-ADDB-DCCEB5DDD37D}" type="datetimeFigureOut">
               <a:rPr lang="ko-KR" altLang="en-US" smtClean="0"/>
-              <a:t>2020-11-16</a:t>
+              <a:t>2020-11-17</a:t>
             </a:fld>
             <a:endParaRPr lang="ko-KR" altLang="en-US"/>
           </a:p>
@@ -588,7 +588,7 @@
           <a:p>
             <a:fld id="{EA462923-1DAF-4191-ADDB-DCCEB5DDD37D}" type="datetimeFigureOut">
               <a:rPr lang="ko-KR" altLang="en-US" smtClean="0"/>
-              <a:t>2020-11-16</a:t>
+              <a:t>2020-11-17</a:t>
             </a:fld>
             <a:endParaRPr lang="ko-KR" altLang="en-US"/>
           </a:p>
@@ -758,7 +758,7 @@
           <a:p>
             <a:fld id="{EA462923-1DAF-4191-ADDB-DCCEB5DDD37D}" type="datetimeFigureOut">
               <a:rPr lang="ko-KR" altLang="en-US" smtClean="0"/>
-              <a:t>2020-11-16</a:t>
+              <a:t>2020-11-17</a:t>
             </a:fld>
             <a:endParaRPr lang="ko-KR" altLang="en-US"/>
           </a:p>
@@ -1004,7 +1004,7 @@
           <a:p>
             <a:fld id="{EA462923-1DAF-4191-ADDB-DCCEB5DDD37D}" type="datetimeFigureOut">
               <a:rPr lang="ko-KR" altLang="en-US" smtClean="0"/>
-              <a:t>2020-11-16</a:t>
+              <a:t>2020-11-17</a:t>
             </a:fld>
             <a:endParaRPr lang="ko-KR" altLang="en-US"/>
           </a:p>
@@ -1236,7 +1236,7 @@
           <a:p>
             <a:fld id="{EA462923-1DAF-4191-ADDB-DCCEB5DDD37D}" type="datetimeFigureOut">
               <a:rPr lang="ko-KR" altLang="en-US" smtClean="0"/>
-              <a:t>2020-11-16</a:t>
+              <a:t>2020-11-17</a:t>
             </a:fld>
             <a:endParaRPr lang="ko-KR" altLang="en-US"/>
           </a:p>
@@ -1603,7 +1603,7 @@
           <a:p>
             <a:fld id="{EA462923-1DAF-4191-ADDB-DCCEB5DDD37D}" type="datetimeFigureOut">
               <a:rPr lang="ko-KR" altLang="en-US" smtClean="0"/>
-              <a:t>2020-11-16</a:t>
+              <a:t>2020-11-17</a:t>
             </a:fld>
             <a:endParaRPr lang="ko-KR" altLang="en-US"/>
           </a:p>
@@ -1721,7 +1721,7 @@
           <a:p>
             <a:fld id="{EA462923-1DAF-4191-ADDB-DCCEB5DDD37D}" type="datetimeFigureOut">
               <a:rPr lang="ko-KR" altLang="en-US" smtClean="0"/>
-              <a:t>2020-11-16</a:t>
+              <a:t>2020-11-17</a:t>
             </a:fld>
             <a:endParaRPr lang="ko-KR" altLang="en-US"/>
           </a:p>
@@ -1816,7 +1816,7 @@
           <a:p>
             <a:fld id="{EA462923-1DAF-4191-ADDB-DCCEB5DDD37D}" type="datetimeFigureOut">
               <a:rPr lang="ko-KR" altLang="en-US" smtClean="0"/>
-              <a:t>2020-11-16</a:t>
+              <a:t>2020-11-17</a:t>
             </a:fld>
             <a:endParaRPr lang="ko-KR" altLang="en-US"/>
           </a:p>
@@ -2093,7 +2093,7 @@
           <a:p>
             <a:fld id="{EA462923-1DAF-4191-ADDB-DCCEB5DDD37D}" type="datetimeFigureOut">
               <a:rPr lang="ko-KR" altLang="en-US" smtClean="0"/>
-              <a:t>2020-11-16</a:t>
+              <a:t>2020-11-17</a:t>
             </a:fld>
             <a:endParaRPr lang="ko-KR" altLang="en-US"/>
           </a:p>
@@ -2346,7 +2346,7 @@
           <a:p>
             <a:fld id="{EA462923-1DAF-4191-ADDB-DCCEB5DDD37D}" type="datetimeFigureOut">
               <a:rPr lang="ko-KR" altLang="en-US" smtClean="0"/>
-              <a:t>2020-11-16</a:t>
+              <a:t>2020-11-17</a:t>
             </a:fld>
             <a:endParaRPr lang="ko-KR" altLang="en-US"/>
           </a:p>
@@ -2559,7 +2559,7 @@
           <a:p>
             <a:fld id="{EA462923-1DAF-4191-ADDB-DCCEB5DDD37D}" type="datetimeFigureOut">
               <a:rPr lang="ko-KR" altLang="en-US" smtClean="0"/>
-              <a:t>2020-11-16</a:t>
+              <a:t>2020-11-17</a:t>
             </a:fld>
             <a:endParaRPr lang="ko-KR" altLang="en-US"/>
           </a:p>
@@ -3221,23 +3221,7 @@
                   <a:srgbClr val="002060"/>
                 </a:solidFill>
               </a:rPr>
-              <a:t>(‘SELECT count(id) </a:t>
-            </a:r>
-            <a:r>
-              <a:rPr lang="en-US" altLang="ko-KR" smtClean="0">
-                <a:solidFill>
-                  <a:srgbClr val="002060"/>
-                </a:solidFill>
-              </a:rPr>
-              <a:t>FROM books</a:t>
-            </a:r>
-            <a:r>
-              <a:rPr lang="en-US" altLang="ko-KR" smtClean="0">
-                <a:solidFill>
-                  <a:srgbClr val="002060"/>
-                </a:solidFill>
-              </a:rPr>
-              <a:t>’)</a:t>
+              <a:t>(‘SELECT count(id) FROM books’)</a:t>
             </a:r>
           </a:p>
           <a:p>
@@ -3265,11 +3249,6 @@
               </a:rPr>
               <a:t>Math.ceil(totalRecord / listCnt)</a:t>
             </a:r>
-            <a:endParaRPr lang="en-US" altLang="ko-KR" smtClean="0">
-              <a:solidFill>
-                <a:srgbClr val="00B0F0"/>
-              </a:solidFill>
-            </a:endParaRPr>
           </a:p>
           <a:p>
             <a:pPr marL="800100" lvl="1" indent="-342900">
@@ -3316,7 +3295,23 @@
                   <a:srgbClr val="00B0F0"/>
                 </a:solidFill>
               </a:rPr>
-              <a:t>Math.floor((page - 1) / listCnt) * pagerCnt + 1</a:t>
+              <a:t>Math.floor((page - 1) / </a:t>
+            </a:r>
+            <a:r>
+              <a:rPr lang="en-US" altLang="ko-KR" smtClean="0">
+                <a:solidFill>
+                  <a:srgbClr val="00B0F0"/>
+                </a:solidFill>
+              </a:rPr>
+              <a:t>pagerCnt) </a:t>
+            </a:r>
+            <a:r>
+              <a:rPr lang="en-US" altLang="ko-KR" smtClean="0">
+                <a:solidFill>
+                  <a:srgbClr val="00B0F0"/>
+                </a:solidFill>
+              </a:rPr>
+              <a:t>* pagerCnt + 1</a:t>
             </a:r>
           </a:p>
           <a:p>
@@ -3370,11 +3365,7 @@
             </a:pPr>
             <a:r>
               <a:rPr lang="en-US" altLang="ko-KR" smtClean="0"/>
-              <a:t>prevPage		</a:t>
-            </a:r>
-            <a:r>
-              <a:rPr lang="en-US" altLang="ko-KR" smtClean="0"/>
-              <a:t>: .bt-prev </a:t>
+              <a:t>prevPage		: .bt-prev </a:t>
             </a:r>
             <a:r>
               <a:rPr lang="ko-KR" altLang="en-US" smtClean="0"/>
@@ -3426,11 +3417,7 @@
             </a:pPr>
             <a:r>
               <a:rPr lang="en-US" altLang="ko-KR" smtClean="0"/>
-              <a:t>prev</a:t>
-            </a:r>
-            <a:r>
-              <a:rPr lang="en-US" altLang="ko-KR" smtClean="0"/>
-              <a:t>Pager	: .bt-pager-prev </a:t>
+              <a:t>prevPager	: .bt-pager-prev </a:t>
             </a:r>
             <a:r>
               <a:rPr lang="ko-KR" altLang="en-US" smtClean="0"/>
@@ -3500,11 +3487,6 @@
               </a:rPr>
               <a:t>totalPage</a:t>
             </a:r>
-            <a:endParaRPr lang="en-US" altLang="ko-KR" smtClean="0">
-              <a:solidFill>
-                <a:srgbClr val="00B0F0"/>
-              </a:solidFill>
-            </a:endParaRPr>
           </a:p>
           <a:p>
             <a:pPr marL="800100" lvl="1" indent="-342900">
@@ -4408,7 +4390,7 @@
     </a:clrScheme>
     <a:fontScheme name="Office">
       <a:majorFont>
-        <a:latin typeface="맑은 고딕" panose="020F0302020204030204"/>
+        <a:latin typeface="맑은 고딕"/>
         <a:ea typeface=""/>
         <a:cs typeface=""/>
         <a:font script="Jpan" typeface="游ゴシック Light"/>
@@ -4443,7 +4425,7 @@
         <a:font script="Geor" typeface="Sylfaen"/>
       </a:majorFont>
       <a:minorFont>
-        <a:latin typeface="맑은 고딕" panose="020F0502020204030204"/>
+        <a:latin typeface="맑은 고딕"/>
         <a:ea typeface=""/>
         <a:cs typeface=""/>
         <a:font script="Jpan" typeface="游ゴシック"/>
@@ -4620,7 +4602,7 @@
   <a:extraClrSchemeLst/>
   <a:extLst>
     <a:ext uri="{05A4C25C-085E-4340-85A3-A5531E510DB2}">
-      <thm15:themeFamily xmlns:thm15="http://schemas.microsoft.com/office/thememl/2012/main" name="Office Theme" id="{62F939B6-93AF-4DB8-9C6B-D6C7DFDC589F}" vid="{4A3C46E8-61CC-4603-A589-7422A47A8E4A}"/>
+      <thm15:themeFamily xmlns:thm15="http://schemas.microsoft.com/office/thememl/2012/main" xmlns="" name="Office Theme" id="{62F939B6-93AF-4DB8-9C6B-D6C7DFDC589F}" vid="{4A3C46E8-61CC-4603-A589-7422A47A8E4A}"/>
     </a:ext>
   </a:extLst>
 </a:theme>
